--- a/azure/cloud-architecture-m1_patterns.pptx
+++ b/azure/cloud-architecture-m1_patterns.pptx
@@ -232,7 +232,7 @@
           <a:p>
             <a:fld id="{BE1B5227-671A-4331-BA8E-6A194D65408B}" type="datetimeFigureOut">
               <a:rPr lang="en-US" smtClean="0"/>
-              <a:t>12/8/2017</a:t>
+              <a:t>1/15/2018</a:t>
             </a:fld>
             <a:endParaRPr lang="en-US"/>
           </a:p>
@@ -397,7 +397,7 @@
           <a:p>
             <a:fld id="{27872E6B-C85C-424E-AD51-4389090A2C7D}" type="datetimeFigureOut">
               <a:rPr lang="en-US" smtClean="0"/>
-              <a:t>12/8/2017</a:t>
+              <a:t>1/15/2018</a:t>
             </a:fld>
             <a:endParaRPr lang="en-US"/>
           </a:p>
@@ -2807,14 +2807,14 @@
   <p:clrMapOvr>
     <a:masterClrMapping/>
   </p:clrMapOvr>
-  <mc:AlternateContent xmlns:mc="http://schemas.openxmlformats.org/markup-compatibility/2006" xmlns:p14="http://schemas.microsoft.com/office/powerpoint/2010/main">
-    <mc:Choice Requires="p14">
-      <p:transition spd="med" p14:dur="700">
+  <mc:AlternateContent xmlns:mc="http://schemas.openxmlformats.org/markup-compatibility/2006">
+    <mc:Choice xmlns:p14="http://schemas.microsoft.com/office/powerpoint/2010/main" Requires="p14">
+      <p:transition spd="med" p14:dur="700" advClick="0">
         <p:fade/>
       </p:transition>
     </mc:Choice>
-    <mc:Fallback xmlns="">
-      <p:transition spd="med">
+    <mc:Fallback>
+      <p:transition spd="med" advClick="0">
         <p:fade/>
       </p:transition>
     </mc:Fallback>
@@ -4191,6 +4191,14 @@
   <p:clrMapOvr>
     <a:masterClrMapping/>
   </p:clrMapOvr>
+  <mc:AlternateContent xmlns:mc="http://schemas.openxmlformats.org/markup-compatibility/2006">
+    <mc:Choice xmlns:p14="http://schemas.microsoft.com/office/powerpoint/2010/main" Requires="p14">
+      <p:transition spd="slow" p14:dur="2000" advClick="0"/>
+    </mc:Choice>
+    <mc:Fallback>
+      <p:transition spd="slow" advClick="0"/>
+    </mc:Fallback>
+  </mc:AlternateContent>
   <p:timing>
     <p:tnLst>
       <p:par>
@@ -6809,6 +6817,14 @@
   <p:clrMapOvr>
     <a:masterClrMapping/>
   </p:clrMapOvr>
+  <mc:AlternateContent xmlns:mc="http://schemas.openxmlformats.org/markup-compatibility/2006">
+    <mc:Choice xmlns:p14="http://schemas.microsoft.com/office/powerpoint/2010/main" Requires="p14">
+      <p:transition spd="slow" p14:dur="2000" advClick="0"/>
+    </mc:Choice>
+    <mc:Fallback>
+      <p:transition spd="slow" advClick="0"/>
+    </mc:Fallback>
+  </mc:AlternateContent>
   <p:timing>
     <p:tnLst>
       <p:par>
@@ -8508,6 +8524,14 @@
   <p:clrMapOvr>
     <a:masterClrMapping/>
   </p:clrMapOvr>
+  <mc:AlternateContent xmlns:mc="http://schemas.openxmlformats.org/markup-compatibility/2006">
+    <mc:Choice xmlns:p14="http://schemas.microsoft.com/office/powerpoint/2010/main" Requires="p14">
+      <p:transition spd="slow" p14:dur="2000" advClick="0"/>
+    </mc:Choice>
+    <mc:Fallback>
+      <p:transition spd="slow" advClick="0"/>
+    </mc:Fallback>
+  </mc:AlternateContent>
   <p:timing>
     <p:tnLst>
       <p:par>
@@ -10923,6 +10947,14 @@
   <p:clrMapOvr>
     <a:masterClrMapping/>
   </p:clrMapOvr>
+  <mc:AlternateContent xmlns:mc="http://schemas.openxmlformats.org/markup-compatibility/2006">
+    <mc:Choice xmlns:p14="http://schemas.microsoft.com/office/powerpoint/2010/main" Requires="p14">
+      <p:transition spd="slow" p14:dur="2000" advClick="0"/>
+    </mc:Choice>
+    <mc:Fallback>
+      <p:transition spd="slow" advClick="0"/>
+    </mc:Fallback>
+  </mc:AlternateContent>
   <p:timing>
     <p:tnLst>
       <p:par>
@@ -14890,6 +14922,14 @@
   <p:clrMapOvr>
     <a:masterClrMapping/>
   </p:clrMapOvr>
+  <mc:AlternateContent xmlns:mc="http://schemas.openxmlformats.org/markup-compatibility/2006">
+    <mc:Choice xmlns:p14="http://schemas.microsoft.com/office/powerpoint/2010/main" Requires="p14">
+      <p:transition spd="slow" p14:dur="2000" advClick="0"/>
+    </mc:Choice>
+    <mc:Fallback>
+      <p:transition spd="slow" advClick="0"/>
+    </mc:Fallback>
+  </mc:AlternateContent>
   <p:timing>
     <p:tnLst>
       <p:par>
@@ -21445,14 +21485,14 @@
   <p:clrMapOvr>
     <a:masterClrMapping/>
   </p:clrMapOvr>
-  <mc:AlternateContent xmlns:mc="http://schemas.openxmlformats.org/markup-compatibility/2006" xmlns:p14="http://schemas.microsoft.com/office/powerpoint/2010/main">
-    <mc:Choice Requires="p14">
-      <p:transition spd="med" p14:dur="700">
+  <mc:AlternateContent xmlns:mc="http://schemas.openxmlformats.org/markup-compatibility/2006">
+    <mc:Choice xmlns:p14="http://schemas.microsoft.com/office/powerpoint/2010/main" Requires="p14">
+      <p:transition spd="med" p14:dur="700" advClick="0">
         <p:fade/>
       </p:transition>
     </mc:Choice>
-    <mc:Fallback xmlns="">
-      <p:transition spd="med">
+    <mc:Fallback>
+      <p:transition spd="med" advClick="0">
         <p:fade/>
       </p:transition>
     </mc:Fallback>
@@ -27218,14 +27258,14 @@
   <p:clrMapOvr>
     <a:masterClrMapping/>
   </p:clrMapOvr>
-  <mc:AlternateContent xmlns:mc="http://schemas.openxmlformats.org/markup-compatibility/2006" xmlns:p14="http://schemas.microsoft.com/office/powerpoint/2010/main">
-    <mc:Choice Requires="p14">
-      <p:transition spd="med" p14:dur="700">
+  <mc:AlternateContent xmlns:mc="http://schemas.openxmlformats.org/markup-compatibility/2006">
+    <mc:Choice xmlns:p14="http://schemas.microsoft.com/office/powerpoint/2010/main" Requires="p14">
+      <p:transition spd="med" p14:dur="700" advClick="0">
         <p:fade/>
       </p:transition>
     </mc:Choice>
-    <mc:Fallback xmlns="">
-      <p:transition spd="med">
+    <mc:Fallback>
+      <p:transition spd="med" advClick="0">
         <p:fade/>
       </p:transition>
     </mc:Fallback>
@@ -33203,14 +33243,14 @@
   <p:clrMapOvr>
     <a:masterClrMapping/>
   </p:clrMapOvr>
-  <mc:AlternateContent xmlns:mc="http://schemas.openxmlformats.org/markup-compatibility/2006" xmlns:p14="http://schemas.microsoft.com/office/powerpoint/2010/main">
-    <mc:Choice Requires="p14">
-      <p:transition spd="med" p14:dur="700">
+  <mc:AlternateContent xmlns:mc="http://schemas.openxmlformats.org/markup-compatibility/2006">
+    <mc:Choice xmlns:p14="http://schemas.microsoft.com/office/powerpoint/2010/main" Requires="p14">
+      <p:transition spd="med" p14:dur="700" advClick="0">
         <p:fade/>
       </p:transition>
     </mc:Choice>
-    <mc:Fallback xmlns="">
-      <p:transition spd="med">
+    <mc:Fallback>
+      <p:transition spd="med" advClick="0">
         <p:fade/>
       </p:transition>
     </mc:Fallback>
@@ -34777,14 +34817,14 @@
   <p:clrMapOvr>
     <a:masterClrMapping/>
   </p:clrMapOvr>
-  <mc:AlternateContent xmlns:mc="http://schemas.openxmlformats.org/markup-compatibility/2006" xmlns:p14="http://schemas.microsoft.com/office/powerpoint/2010/main">
-    <mc:Choice Requires="p14">
-      <p:transition spd="med" p14:dur="700">
+  <mc:AlternateContent xmlns:mc="http://schemas.openxmlformats.org/markup-compatibility/2006">
+    <mc:Choice xmlns:p14="http://schemas.microsoft.com/office/powerpoint/2010/main" Requires="p14">
+      <p:transition spd="med" p14:dur="700" advClick="0">
         <p:fade/>
       </p:transition>
     </mc:Choice>
-    <mc:Fallback xmlns="">
-      <p:transition spd="med">
+    <mc:Fallback>
+      <p:transition spd="med" advClick="0">
         <p:fade/>
       </p:transition>
     </mc:Fallback>
@@ -37008,14 +37048,14 @@
   <p:clrMapOvr>
     <a:masterClrMapping/>
   </p:clrMapOvr>
-  <mc:AlternateContent xmlns:mc="http://schemas.openxmlformats.org/markup-compatibility/2006" xmlns:p14="http://schemas.microsoft.com/office/powerpoint/2010/main">
-    <mc:Choice Requires="p14">
-      <p:transition spd="med" p14:dur="700">
+  <mc:AlternateContent xmlns:mc="http://schemas.openxmlformats.org/markup-compatibility/2006">
+    <mc:Choice xmlns:p14="http://schemas.microsoft.com/office/powerpoint/2010/main" Requires="p14">
+      <p:transition spd="med" p14:dur="700" advClick="0">
         <p:fade/>
       </p:transition>
     </mc:Choice>
-    <mc:Fallback xmlns="">
-      <p:transition spd="med">
+    <mc:Fallback>
+      <p:transition spd="med" advClick="0">
         <p:fade/>
       </p:transition>
     </mc:Fallback>
@@ -38716,14 +38756,14 @@
   <p:clrMapOvr>
     <a:masterClrMapping/>
   </p:clrMapOvr>
-  <mc:AlternateContent xmlns:mc="http://schemas.openxmlformats.org/markup-compatibility/2006" xmlns:p14="http://schemas.microsoft.com/office/powerpoint/2010/main">
-    <mc:Choice Requires="p14">
-      <p:transition spd="med" p14:dur="700">
+  <mc:AlternateContent xmlns:mc="http://schemas.openxmlformats.org/markup-compatibility/2006">
+    <mc:Choice xmlns:p14="http://schemas.microsoft.com/office/powerpoint/2010/main" Requires="p14">
+      <p:transition spd="med" p14:dur="700" advClick="0">
         <p:fade/>
       </p:transition>
     </mc:Choice>
-    <mc:Fallback xmlns="">
-      <p:transition spd="med">
+    <mc:Fallback>
+      <p:transition spd="med" advClick="0">
         <p:fade/>
       </p:transition>
     </mc:Fallback>
@@ -40327,14 +40367,14 @@
   <p:clrMapOvr>
     <a:masterClrMapping/>
   </p:clrMapOvr>
-  <mc:AlternateContent xmlns:mc="http://schemas.openxmlformats.org/markup-compatibility/2006" xmlns:p14="http://schemas.microsoft.com/office/powerpoint/2010/main">
-    <mc:Choice Requires="p14">
-      <p:transition spd="med" p14:dur="700">
+  <mc:AlternateContent xmlns:mc="http://schemas.openxmlformats.org/markup-compatibility/2006">
+    <mc:Choice xmlns:p14="http://schemas.microsoft.com/office/powerpoint/2010/main" Requires="p14">
+      <p:transition spd="med" p14:dur="700" advClick="0">
         <p:fade/>
       </p:transition>
     </mc:Choice>
-    <mc:Fallback xmlns="">
-      <p:transition spd="med">
+    <mc:Fallback>
+      <p:transition spd="med" advClick="0">
         <p:fade/>
       </p:transition>
     </mc:Fallback>
@@ -43441,6 +43481,14 @@
   <p:clrMapOvr>
     <a:masterClrMapping/>
   </p:clrMapOvr>
+  <mc:AlternateContent xmlns:mc="http://schemas.openxmlformats.org/markup-compatibility/2006">
+    <mc:Choice xmlns:p14="http://schemas.microsoft.com/office/powerpoint/2010/main" Requires="p14">
+      <p:transition spd="slow" p14:dur="2000" advClick="0"/>
+    </mc:Choice>
+    <mc:Fallback>
+      <p:transition spd="slow" advClick="0"/>
+    </mc:Fallback>
+  </mc:AlternateContent>
   <p:timing>
     <p:tnLst>
       <p:par>
@@ -47365,6 +47413,14 @@
   <p:clrMapOvr>
     <a:masterClrMapping/>
   </p:clrMapOvr>
+  <mc:AlternateContent xmlns:mc="http://schemas.openxmlformats.org/markup-compatibility/2006">
+    <mc:Choice xmlns:p14="http://schemas.microsoft.com/office/powerpoint/2010/main" Requires="p14">
+      <p:transition spd="slow" p14:dur="2000" advClick="0"/>
+    </mc:Choice>
+    <mc:Fallback>
+      <p:transition spd="slow" advClick="0"/>
+    </mc:Fallback>
+  </mc:AlternateContent>
   <p:timing>
     <p:tnLst>
       <p:par>
